--- a/PRESENTATION/LTI Template  -.pptx
+++ b/PRESENTATION/LTI Template  -.pptx
@@ -15,8 +15,8 @@
     <p:sldId id="256" r:id="rId6"/>
     <p:sldId id="815" r:id="rId7"/>
     <p:sldId id="840" r:id="rId8"/>
-    <p:sldId id="803" r:id="rId9"/>
-    <p:sldId id="816" r:id="rId10"/>
+    <p:sldId id="816" r:id="rId9"/>
+    <p:sldId id="803" r:id="rId10"/>
     <p:sldId id="842" r:id="rId11"/>
     <p:sldId id="851" r:id="rId12"/>
     <p:sldId id="852" r:id="rId13"/>
@@ -6335,7 +6335,7 @@
                 <a:tabLst/>
                 <a:defRPr/>
               </a:pPr>
-              <a:t>4</a:t>
+              <a:t>5</a:t>
             </a:fld>
             <a:endParaRPr kumimoji="0" lang="en-US" sz="1200" b="0" i="0" u="none" strike="noStrike" kern="1200" cap="none" spc="0" normalizeH="0" baseline="0" noProof="0">
               <a:ln>
@@ -12302,16 +12302,13 @@
                   <a:schemeClr val="tx2"/>
                 </a:solidFill>
               </a:rPr>
-              <a:t>Technologies</a:t>
+              <a:t>Problem Statement</a:t>
             </a:r>
-            <a:r>
-              <a:rPr lang="en-US" sz="1500" b="1" dirty="0">
-                <a:solidFill>
-                  <a:schemeClr val="tx2"/>
-                </a:solidFill>
-              </a:rPr>
-              <a:t> </a:t>
-            </a:r>
+            <a:endParaRPr lang="en-US" sz="1500" b="1" dirty="0">
+              <a:solidFill>
+                <a:schemeClr val="tx2"/>
+              </a:solidFill>
+            </a:endParaRPr>
           </a:p>
         </p:txBody>
       </p:sp>
@@ -12376,7 +12373,7 @@
         </p:nvSpPr>
         <p:spPr>
           <a:xfrm>
-            <a:off x="1351822" y="2708383"/>
+            <a:off x="1351822" y="2732122"/>
             <a:ext cx="3159351" cy="323165"/>
           </a:xfrm>
           <a:prstGeom prst="rect">
@@ -12397,7 +12394,7 @@
                   <a:schemeClr val="accent1"/>
                 </a:solidFill>
               </a:rPr>
-              <a:t>About our project</a:t>
+              <a:t>Technologies</a:t>
             </a:r>
           </a:p>
         </p:txBody>
@@ -13055,6 +13052,234 @@
       </p:grpSpPr>
       <p:sp>
         <p:nvSpPr>
+          <p:cNvPr id="5" name="Rectangle 4">
+            <a:extLst>
+              <a:ext uri="{FF2B5EF4-FFF2-40B4-BE49-F238E27FC236}">
+                <a16:creationId xmlns:a16="http://schemas.microsoft.com/office/drawing/2014/main" id="{1F0487B5-8E51-40BA-979E-443E792A1F27}"/>
+              </a:ext>
+            </a:extLst>
+          </p:cNvPr>
+          <p:cNvSpPr/>
+          <p:nvPr/>
+        </p:nvSpPr>
+        <p:spPr>
+          <a:xfrm>
+            <a:off x="409673" y="260938"/>
+            <a:ext cx="8146236" cy="631756"/>
+          </a:xfrm>
+          <a:prstGeom prst="rect">
+            <a:avLst/>
+          </a:prstGeom>
+          <a:solidFill>
+            <a:schemeClr val="tx2">
+              <a:lumMod val="20000"/>
+              <a:lumOff val="80000"/>
+            </a:schemeClr>
+          </a:solidFill>
+          <a:ln>
+            <a:noFill/>
+          </a:ln>
+        </p:spPr>
+        <p:style>
+          <a:lnRef idx="2">
+            <a:schemeClr val="accent1">
+              <a:shade val="50000"/>
+            </a:schemeClr>
+          </a:lnRef>
+          <a:fillRef idx="1">
+            <a:schemeClr val="accent1"/>
+          </a:fillRef>
+          <a:effectRef idx="0">
+            <a:schemeClr val="accent1"/>
+          </a:effectRef>
+          <a:fontRef idx="minor">
+            <a:schemeClr val="lt1"/>
+          </a:fontRef>
+        </p:style>
+        <p:txBody>
+          <a:bodyPr lIns="0" rIns="0" rtlCol="0" anchor="ctr"/>
+          <a:lstStyle>
+            <a:defPPr>
+              <a:defRPr lang="fr-FR"/>
+            </a:defPPr>
+            <a:lvl1pPr marL="0" algn="l" defTabSz="914354" rtl="0" eaLnBrk="1" latinLnBrk="0" hangingPunct="1">
+              <a:defRPr sz="1800" kern="1200">
+                <a:solidFill>
+                  <a:schemeClr val="lt1"/>
+                </a:solidFill>
+                <a:latin typeface="+mn-lt"/>
+                <a:ea typeface="+mn-ea"/>
+                <a:cs typeface="+mn-cs"/>
+              </a:defRPr>
+            </a:lvl1pPr>
+            <a:lvl2pPr marL="457178" algn="l" defTabSz="914354" rtl="0" eaLnBrk="1" latinLnBrk="0" hangingPunct="1">
+              <a:defRPr sz="1800" kern="1200">
+                <a:solidFill>
+                  <a:schemeClr val="lt1"/>
+                </a:solidFill>
+                <a:latin typeface="+mn-lt"/>
+                <a:ea typeface="+mn-ea"/>
+                <a:cs typeface="+mn-cs"/>
+              </a:defRPr>
+            </a:lvl2pPr>
+            <a:lvl3pPr marL="914354" algn="l" defTabSz="914354" rtl="0" eaLnBrk="1" latinLnBrk="0" hangingPunct="1">
+              <a:defRPr sz="1800" kern="1200">
+                <a:solidFill>
+                  <a:schemeClr val="lt1"/>
+                </a:solidFill>
+                <a:latin typeface="+mn-lt"/>
+                <a:ea typeface="+mn-ea"/>
+                <a:cs typeface="+mn-cs"/>
+              </a:defRPr>
+            </a:lvl3pPr>
+            <a:lvl4pPr marL="1371532" algn="l" defTabSz="914354" rtl="0" eaLnBrk="1" latinLnBrk="0" hangingPunct="1">
+              <a:defRPr sz="1800" kern="1200">
+                <a:solidFill>
+                  <a:schemeClr val="lt1"/>
+                </a:solidFill>
+                <a:latin typeface="+mn-lt"/>
+                <a:ea typeface="+mn-ea"/>
+                <a:cs typeface="+mn-cs"/>
+              </a:defRPr>
+            </a:lvl4pPr>
+            <a:lvl5pPr marL="1828709" algn="l" defTabSz="914354" rtl="0" eaLnBrk="1" latinLnBrk="0" hangingPunct="1">
+              <a:defRPr sz="1800" kern="1200">
+                <a:solidFill>
+                  <a:schemeClr val="lt1"/>
+                </a:solidFill>
+                <a:latin typeface="+mn-lt"/>
+                <a:ea typeface="+mn-ea"/>
+                <a:cs typeface="+mn-cs"/>
+              </a:defRPr>
+            </a:lvl5pPr>
+            <a:lvl6pPr marL="2285886" algn="l" defTabSz="914354" rtl="0" eaLnBrk="1" latinLnBrk="0" hangingPunct="1">
+              <a:defRPr sz="1800" kern="1200">
+                <a:solidFill>
+                  <a:schemeClr val="lt1"/>
+                </a:solidFill>
+                <a:latin typeface="+mn-lt"/>
+                <a:ea typeface="+mn-ea"/>
+                <a:cs typeface="+mn-cs"/>
+              </a:defRPr>
+            </a:lvl6pPr>
+            <a:lvl7pPr marL="2743062" algn="l" defTabSz="914354" rtl="0" eaLnBrk="1" latinLnBrk="0" hangingPunct="1">
+              <a:defRPr sz="1800" kern="1200">
+                <a:solidFill>
+                  <a:schemeClr val="lt1"/>
+                </a:solidFill>
+                <a:latin typeface="+mn-lt"/>
+                <a:ea typeface="+mn-ea"/>
+                <a:cs typeface="+mn-cs"/>
+              </a:defRPr>
+            </a:lvl7pPr>
+            <a:lvl8pPr marL="3200240" algn="l" defTabSz="914354" rtl="0" eaLnBrk="1" latinLnBrk="0" hangingPunct="1">
+              <a:defRPr sz="1800" kern="1200">
+                <a:solidFill>
+                  <a:schemeClr val="lt1"/>
+                </a:solidFill>
+                <a:latin typeface="+mn-lt"/>
+                <a:ea typeface="+mn-ea"/>
+                <a:cs typeface="+mn-cs"/>
+              </a:defRPr>
+            </a:lvl8pPr>
+            <a:lvl9pPr marL="3657418" algn="l" defTabSz="914354" rtl="0" eaLnBrk="1" latinLnBrk="0" hangingPunct="1">
+              <a:defRPr sz="1800" kern="1200">
+                <a:solidFill>
+                  <a:schemeClr val="lt1"/>
+                </a:solidFill>
+                <a:latin typeface="+mn-lt"/>
+                <a:ea typeface="+mn-ea"/>
+                <a:cs typeface="+mn-cs"/>
+              </a:defRPr>
+            </a:lvl9pPr>
+          </a:lstStyle>
+          <a:p>
+            <a:pPr algn="ctr"/>
+            <a:r>
+              <a:rPr lang="en-US" sz="1600" b="1" u="sng" dirty="0">
+                <a:solidFill>
+                  <a:schemeClr val="bg1">
+                    <a:lumMod val="10000"/>
+                  </a:schemeClr>
+                </a:solidFill>
+              </a:rPr>
+              <a:t>PROBLEM STATEMENT</a:t>
+            </a:r>
+          </a:p>
+        </p:txBody>
+      </p:sp>
+      <p:sp>
+        <p:nvSpPr>
+          <p:cNvPr id="7" name="TextBox 6">
+            <a:extLst>
+              <a:ext uri="{FF2B5EF4-FFF2-40B4-BE49-F238E27FC236}">
+                <a16:creationId xmlns:a16="http://schemas.microsoft.com/office/drawing/2014/main" id="{821562C7-33DE-490A-B989-F8D459F0A0EC}"/>
+              </a:ext>
+            </a:extLst>
+          </p:cNvPr>
+          <p:cNvSpPr txBox="1"/>
+          <p:nvPr/>
+        </p:nvSpPr>
+        <p:spPr>
+          <a:xfrm>
+            <a:off x="498882" y="1085088"/>
+            <a:ext cx="8146236" cy="1569660"/>
+          </a:xfrm>
+          <a:prstGeom prst="rect">
+            <a:avLst/>
+          </a:prstGeom>
+          <a:noFill/>
+        </p:spPr>
+        <p:txBody>
+          <a:bodyPr wrap="square">
+            <a:spAutoFit/>
+          </a:bodyPr>
+          <a:lstStyle/>
+          <a:p>
+            <a:r>
+              <a:rPr lang="en-US" sz="1600" dirty="0">
+                <a:cs typeface="Arial" panose="020B0604020202020204" pitchFamily="34" charset="0"/>
+              </a:rPr>
+              <a:t>The existing insurance systems require an agent to act as a mediator between the      insurance company and the customer. This leads to extra charges of payments in terms of brokerage and token money to the customer. There is no existing provision for tracking the status of Insurance application of the customer. The customer document verification needs to be done by the agent by manually visiting the customer or by having the Customer visit the company center. </a:t>
+            </a:r>
+            <a:endParaRPr lang="en-IN" sz="1600" dirty="0">
+              <a:cs typeface="Arial" panose="020B0604020202020204" pitchFamily="34" charset="0"/>
+            </a:endParaRPr>
+          </a:p>
+        </p:txBody>
+      </p:sp>
+    </p:spTree>
+    <p:extLst>
+      <p:ext uri="{BB962C8B-B14F-4D97-AF65-F5344CB8AC3E}">
+        <p14:creationId xmlns:p14="http://schemas.microsoft.com/office/powerpoint/2010/main" val="1200083067"/>
+      </p:ext>
+    </p:extLst>
+  </p:cSld>
+  <p:clrMapOvr>
+    <a:masterClrMapping/>
+  </p:clrMapOvr>
+</p:sld>
+</file>
+
+<file path=ppt/slides/slide5.xml><?xml version="1.0" encoding="utf-8"?>
+<p:sld xmlns:a="http://schemas.openxmlformats.org/drawingml/2006/main" xmlns:r="http://schemas.openxmlformats.org/officeDocument/2006/relationships" xmlns:p="http://schemas.openxmlformats.org/presentationml/2006/main">
+  <p:cSld>
+    <p:spTree>
+      <p:nvGrpSpPr>
+        <p:cNvPr id="1" name=""/>
+        <p:cNvGrpSpPr/>
+        <p:nvPr/>
+      </p:nvGrpSpPr>
+      <p:grpSpPr>
+        <a:xfrm>
+          <a:off x="0" y="0"/>
+          <a:ext cx="0" cy="0"/>
+          <a:chOff x="0" y="0"/>
+          <a:chExt cx="0" cy="0"/>
+        </a:xfrm>
+      </p:grpSpPr>
+      <p:sp>
+        <p:nvSpPr>
           <p:cNvPr id="14" name="Title 13"/>
           <p:cNvSpPr>
             <a:spLocks noGrp="1"/>
@@ -13367,7 +13592,7 @@
                 </a:spcAft>
                 <a:defRPr/>
               </a:pPr>
-              <a:t>4</a:t>
+              <a:t>5</a:t>
             </a:fld>
             <a:endParaRPr lang="en-US" sz="900" dirty="0">
               <a:solidFill>
@@ -13385,240 +13610,6 @@
     <p:extLst>
       <p:ext uri="{BB962C8B-B14F-4D97-AF65-F5344CB8AC3E}">
         <p14:creationId xmlns:p14="http://schemas.microsoft.com/office/powerpoint/2010/main" val="2137194702"/>
-      </p:ext>
-    </p:extLst>
-  </p:cSld>
-  <p:clrMapOvr>
-    <a:masterClrMapping/>
-  </p:clrMapOvr>
-</p:sld>
-</file>
-
-<file path=ppt/slides/slide5.xml><?xml version="1.0" encoding="utf-8"?>
-<p:sld xmlns:a="http://schemas.openxmlformats.org/drawingml/2006/main" xmlns:r="http://schemas.openxmlformats.org/officeDocument/2006/relationships" xmlns:p="http://schemas.openxmlformats.org/presentationml/2006/main">
-  <p:cSld>
-    <p:spTree>
-      <p:nvGrpSpPr>
-        <p:cNvPr id="1" name=""/>
-        <p:cNvGrpSpPr/>
-        <p:nvPr/>
-      </p:nvGrpSpPr>
-      <p:grpSpPr>
-        <a:xfrm>
-          <a:off x="0" y="0"/>
-          <a:ext cx="0" cy="0"/>
-          <a:chOff x="0" y="0"/>
-          <a:chExt cx="0" cy="0"/>
-        </a:xfrm>
-      </p:grpSpPr>
-      <p:sp>
-        <p:nvSpPr>
-          <p:cNvPr id="5" name="Rectangle 4">
-            <a:extLst>
-              <a:ext uri="{FF2B5EF4-FFF2-40B4-BE49-F238E27FC236}">
-                <a16:creationId xmlns:a16="http://schemas.microsoft.com/office/drawing/2014/main" id="{1F0487B5-8E51-40BA-979E-443E792A1F27}"/>
-              </a:ext>
-            </a:extLst>
-          </p:cNvPr>
-          <p:cNvSpPr/>
-          <p:nvPr/>
-        </p:nvSpPr>
-        <p:spPr>
-          <a:xfrm>
-            <a:off x="498882" y="246069"/>
-            <a:ext cx="8146236" cy="631756"/>
-          </a:xfrm>
-          <a:prstGeom prst="rect">
-            <a:avLst/>
-          </a:prstGeom>
-          <a:solidFill>
-            <a:schemeClr val="tx2">
-              <a:lumMod val="20000"/>
-              <a:lumOff val="80000"/>
-            </a:schemeClr>
-          </a:solidFill>
-          <a:ln>
-            <a:noFill/>
-          </a:ln>
-        </p:spPr>
-        <p:style>
-          <a:lnRef idx="2">
-            <a:schemeClr val="accent1">
-              <a:shade val="50000"/>
-            </a:schemeClr>
-          </a:lnRef>
-          <a:fillRef idx="1">
-            <a:schemeClr val="accent1"/>
-          </a:fillRef>
-          <a:effectRef idx="0">
-            <a:schemeClr val="accent1"/>
-          </a:effectRef>
-          <a:fontRef idx="minor">
-            <a:schemeClr val="lt1"/>
-          </a:fontRef>
-        </p:style>
-        <p:txBody>
-          <a:bodyPr lIns="0" rIns="0" rtlCol="0" anchor="ctr"/>
-          <a:lstStyle>
-            <a:defPPr>
-              <a:defRPr lang="fr-FR"/>
-            </a:defPPr>
-            <a:lvl1pPr marL="0" algn="l" defTabSz="914354" rtl="0" eaLnBrk="1" latinLnBrk="0" hangingPunct="1">
-              <a:defRPr sz="1800" kern="1200">
-                <a:solidFill>
-                  <a:schemeClr val="lt1"/>
-                </a:solidFill>
-                <a:latin typeface="+mn-lt"/>
-                <a:ea typeface="+mn-ea"/>
-                <a:cs typeface="+mn-cs"/>
-              </a:defRPr>
-            </a:lvl1pPr>
-            <a:lvl2pPr marL="457178" algn="l" defTabSz="914354" rtl="0" eaLnBrk="1" latinLnBrk="0" hangingPunct="1">
-              <a:defRPr sz="1800" kern="1200">
-                <a:solidFill>
-                  <a:schemeClr val="lt1"/>
-                </a:solidFill>
-                <a:latin typeface="+mn-lt"/>
-                <a:ea typeface="+mn-ea"/>
-                <a:cs typeface="+mn-cs"/>
-              </a:defRPr>
-            </a:lvl2pPr>
-            <a:lvl3pPr marL="914354" algn="l" defTabSz="914354" rtl="0" eaLnBrk="1" latinLnBrk="0" hangingPunct="1">
-              <a:defRPr sz="1800" kern="1200">
-                <a:solidFill>
-                  <a:schemeClr val="lt1"/>
-                </a:solidFill>
-                <a:latin typeface="+mn-lt"/>
-                <a:ea typeface="+mn-ea"/>
-                <a:cs typeface="+mn-cs"/>
-              </a:defRPr>
-            </a:lvl3pPr>
-            <a:lvl4pPr marL="1371532" algn="l" defTabSz="914354" rtl="0" eaLnBrk="1" latinLnBrk="0" hangingPunct="1">
-              <a:defRPr sz="1800" kern="1200">
-                <a:solidFill>
-                  <a:schemeClr val="lt1"/>
-                </a:solidFill>
-                <a:latin typeface="+mn-lt"/>
-                <a:ea typeface="+mn-ea"/>
-                <a:cs typeface="+mn-cs"/>
-              </a:defRPr>
-            </a:lvl4pPr>
-            <a:lvl5pPr marL="1828709" algn="l" defTabSz="914354" rtl="0" eaLnBrk="1" latinLnBrk="0" hangingPunct="1">
-              <a:defRPr sz="1800" kern="1200">
-                <a:solidFill>
-                  <a:schemeClr val="lt1"/>
-                </a:solidFill>
-                <a:latin typeface="+mn-lt"/>
-                <a:ea typeface="+mn-ea"/>
-                <a:cs typeface="+mn-cs"/>
-              </a:defRPr>
-            </a:lvl5pPr>
-            <a:lvl6pPr marL="2285886" algn="l" defTabSz="914354" rtl="0" eaLnBrk="1" latinLnBrk="0" hangingPunct="1">
-              <a:defRPr sz="1800" kern="1200">
-                <a:solidFill>
-                  <a:schemeClr val="lt1"/>
-                </a:solidFill>
-                <a:latin typeface="+mn-lt"/>
-                <a:ea typeface="+mn-ea"/>
-                <a:cs typeface="+mn-cs"/>
-              </a:defRPr>
-            </a:lvl6pPr>
-            <a:lvl7pPr marL="2743062" algn="l" defTabSz="914354" rtl="0" eaLnBrk="1" latinLnBrk="0" hangingPunct="1">
-              <a:defRPr sz="1800" kern="1200">
-                <a:solidFill>
-                  <a:schemeClr val="lt1"/>
-                </a:solidFill>
-                <a:latin typeface="+mn-lt"/>
-                <a:ea typeface="+mn-ea"/>
-                <a:cs typeface="+mn-cs"/>
-              </a:defRPr>
-            </a:lvl7pPr>
-            <a:lvl8pPr marL="3200240" algn="l" defTabSz="914354" rtl="0" eaLnBrk="1" latinLnBrk="0" hangingPunct="1">
-              <a:defRPr sz="1800" kern="1200">
-                <a:solidFill>
-                  <a:schemeClr val="lt1"/>
-                </a:solidFill>
-                <a:latin typeface="+mn-lt"/>
-                <a:ea typeface="+mn-ea"/>
-                <a:cs typeface="+mn-cs"/>
-              </a:defRPr>
-            </a:lvl8pPr>
-            <a:lvl9pPr marL="3657418" algn="l" defTabSz="914354" rtl="0" eaLnBrk="1" latinLnBrk="0" hangingPunct="1">
-              <a:defRPr sz="1800" kern="1200">
-                <a:solidFill>
-                  <a:schemeClr val="lt1"/>
-                </a:solidFill>
-                <a:latin typeface="+mn-lt"/>
-                <a:ea typeface="+mn-ea"/>
-                <a:cs typeface="+mn-cs"/>
-              </a:defRPr>
-            </a:lvl9pPr>
-          </a:lstStyle>
-          <a:p>
-            <a:pPr algn="ctr"/>
-            <a:r>
-              <a:rPr lang="en-US" sz="1600" b="1" u="sng" dirty="0">
-                <a:solidFill>
-                  <a:schemeClr val="bg1">
-                    <a:lumMod val="10000"/>
-                  </a:schemeClr>
-                </a:solidFill>
-              </a:rPr>
-              <a:t>ABOUT PROJECT</a:t>
-            </a:r>
-          </a:p>
-        </p:txBody>
-      </p:sp>
-      <p:sp>
-        <p:nvSpPr>
-          <p:cNvPr id="7" name="TextBox 6">
-            <a:extLst>
-              <a:ext uri="{FF2B5EF4-FFF2-40B4-BE49-F238E27FC236}">
-                <a16:creationId xmlns:a16="http://schemas.microsoft.com/office/drawing/2014/main" id="{821562C7-33DE-490A-B989-F8D459F0A0EC}"/>
-              </a:ext>
-            </a:extLst>
-          </p:cNvPr>
-          <p:cNvSpPr txBox="1"/>
-          <p:nvPr/>
-        </p:nvSpPr>
-        <p:spPr>
-          <a:xfrm>
-            <a:off x="498882" y="1085088"/>
-            <a:ext cx="8146236" cy="1569660"/>
-          </a:xfrm>
-          <a:prstGeom prst="rect">
-            <a:avLst/>
-          </a:prstGeom>
-          <a:noFill/>
-        </p:spPr>
-        <p:txBody>
-          <a:bodyPr wrap="square">
-            <a:spAutoFit/>
-          </a:bodyPr>
-          <a:lstStyle/>
-          <a:p>
-            <a:r>
-              <a:rPr lang="en-US" sz="1600" dirty="0">
-                <a:cs typeface="Arial" panose="020B0604020202020204" pitchFamily="34" charset="0"/>
-              </a:rPr>
-              <a:t>The existing insurance systems require an agent to act as a mediator between the      insurance company and the customer. This leads to extra charges of payments in terms of brokerage and token money to the customer. There is no existing provision for tracking the status of Insurance application of the customer. The customer document verification needs to be done by the agent by manually visiting the customer or by having the Customer visit the </a:t>
-            </a:r>
-            <a:r>
-              <a:rPr lang="en-US" sz="1600">
-                <a:cs typeface="Arial" panose="020B0604020202020204" pitchFamily="34" charset="0"/>
-              </a:rPr>
-              <a:t>company center. </a:t>
-            </a:r>
-            <a:endParaRPr lang="en-IN" sz="1600" dirty="0">
-              <a:cs typeface="Arial" panose="020B0604020202020204" pitchFamily="34" charset="0"/>
-            </a:endParaRPr>
-          </a:p>
-        </p:txBody>
-      </p:sp>
-    </p:spTree>
-    <p:extLst>
-      <p:ext uri="{BB962C8B-B14F-4D97-AF65-F5344CB8AC3E}">
-        <p14:creationId xmlns:p14="http://schemas.microsoft.com/office/powerpoint/2010/main" val="1200083067"/>
       </p:ext>
     </p:extLst>
   </p:cSld>
@@ -13696,67 +13687,7 @@
                   </a:schemeClr>
                 </a:solidFill>
               </a:rPr>
-              <a:t>The website was </a:t>
-            </a:r>
-            <a:r>
-              <a:rPr lang="en-IN" sz="1050" b="0" dirty="0" err="1">
-                <a:solidFill>
-                  <a:schemeClr val="bg1">
-                    <a:lumMod val="10000"/>
-                  </a:schemeClr>
-                </a:solidFill>
-              </a:rPr>
-              <a:t>bulit</a:t>
-            </a:r>
-            <a:r>
-              <a:rPr lang="en-IN" sz="1050" b="0" dirty="0">
-                <a:solidFill>
-                  <a:schemeClr val="bg1">
-                    <a:lumMod val="10000"/>
-                  </a:schemeClr>
-                </a:solidFill>
-              </a:rPr>
-              <a:t> using Angular ,</a:t>
-            </a:r>
-            <a:r>
-              <a:rPr lang="en-IN" sz="1050" b="0" dirty="0" err="1">
-                <a:solidFill>
-                  <a:schemeClr val="bg1">
-                    <a:lumMod val="10000"/>
-                  </a:schemeClr>
-                </a:solidFill>
-              </a:rPr>
-              <a:t>ASP.NET.And</a:t>
-            </a:r>
-            <a:r>
-              <a:rPr lang="en-IN" sz="1050" b="0" dirty="0">
-                <a:solidFill>
-                  <a:schemeClr val="bg1">
-                    <a:lumMod val="10000"/>
-                  </a:schemeClr>
-                </a:solidFill>
-              </a:rPr>
-              <a:t> information of this application is stored using </a:t>
-            </a:r>
-            <a:r>
-              <a:rPr lang="en-IN" sz="1050" b="0" dirty="0" err="1">
-                <a:solidFill>
-                  <a:schemeClr val="bg1">
-                    <a:lumMod val="10000"/>
-                  </a:schemeClr>
-                </a:solidFill>
-              </a:rPr>
-              <a:t>Sql</a:t>
-            </a:r>
-            <a:r>
-              <a:rPr lang="en-IN" sz="1050" b="0" dirty="0">
-                <a:solidFill>
-                  <a:schemeClr val="bg1">
-                    <a:lumMod val="10000"/>
-                  </a:schemeClr>
-                </a:solidFill>
-              </a:rPr>
-              <a:t> server     </a:t>
+              <a:t>The website was built using Angular ,ASP.NET. and information of this application is stored using Sql server     </a:t>
             </a:r>
             <a:endParaRPr lang="en-US" sz="1050" b="0" dirty="0">
               <a:solidFill>
@@ -14036,25 +13967,8 @@
                     </a:schemeClr>
                   </a:solidFill>
                 </a:rPr>
-                <a:t>Calculate </a:t>
+                <a:t>Calculate Premium</a:t>
               </a:r>
-              <a:r>
-                <a:rPr lang="en-US" sz="1100" b="1" dirty="0" err="1">
-                  <a:solidFill>
-                    <a:schemeClr val="bg1">
-                      <a:lumMod val="10000"/>
-                    </a:schemeClr>
-                  </a:solidFill>
-                </a:rPr>
-                <a:t>Premeium</a:t>
-              </a:r>
-              <a:endParaRPr lang="en-US" sz="1100" b="1" dirty="0">
-                <a:solidFill>
-                  <a:schemeClr val="bg1">
-                    <a:lumMod val="10000"/>
-                  </a:schemeClr>
-                </a:solidFill>
-              </a:endParaRPr>
             </a:p>
           </p:txBody>
         </p:sp>
@@ -16531,6 +16445,15 @@
 </file>
 
 <file path=customXml/item1.xml><?xml version="1.0" encoding="utf-8"?>
+<?mso-contentType ?>
+<FormTemplates xmlns="http://schemas.microsoft.com/sharepoint/v3/contenttype/forms">
+  <Display>DocumentLibraryForm</Display>
+  <Edit>DocumentLibraryForm</Edit>
+  <New>DocumentLibraryForm</New>
+</FormTemplates>
+</file>
+
+<file path=customXml/item2.xml><?xml version="1.0" encoding="utf-8"?>
 <ct:contentTypeSchema xmlns:ct="http://schemas.microsoft.com/office/2006/metadata/contentType" xmlns:ma="http://schemas.microsoft.com/office/2006/metadata/properties/metaAttributes" ct:_="" ma:_="" ma:contentTypeName="Document" ma:contentTypeID="0x01010070F8E8959049E8428369959651C7B244" ma:contentTypeVersion="1" ma:contentTypeDescription="Create a new document." ma:contentTypeScope="" ma:versionID="a3dfc01f428c3fcbfdafd221a376b9de">
   <xsd:schema xmlns:xsd="http://www.w3.org/2001/XMLSchema" xmlns:p="http://schemas.microsoft.com/office/2006/metadata/properties" xmlns:ns2="71bf3f0a-df54-467d-89c2-87f8d534ba77" targetNamespace="http://schemas.microsoft.com/office/2006/metadata/properties" ma:root="true" ma:fieldsID="96a372070048e73f7666a0524ec77300" ns2:_="">
     <xsd:import namespace="71bf3f0a-df54-467d-89c2-87f8d534ba77"/>
@@ -16590,15 +16513,6 @@
 </ct:contentTypeSchema>
 </file>
 
-<file path=customXml/item2.xml><?xml version="1.0" encoding="utf-8"?>
-<?mso-contentType ?>
-<FormTemplates xmlns="http://schemas.microsoft.com/sharepoint/v3/contenttype/forms">
-  <Display>DocumentLibraryForm</Display>
-  <Edit>DocumentLibraryForm</Edit>
-  <New>DocumentLibraryForm</New>
-</FormTemplates>
-</file>
-
 <file path=customXml/item3.xml><?xml version="1.0" encoding="utf-8"?>
 <p:properties xmlns:p="http://schemas.microsoft.com/office/2006/metadata/properties" xmlns:xsi="http://www.w3.org/2001/XMLSchema-instance">
   <documentManagement>
@@ -16608,6 +16522,14 @@
 </file>
 
 <file path=customXml/itemProps1.xml><?xml version="1.0" encoding="utf-8"?>
+<ds:datastoreItem xmlns:ds="http://schemas.openxmlformats.org/officeDocument/2006/customXml" ds:itemID="{8ABB6DC8-0142-4676-96FE-F1693BA95046}">
+  <ds:schemaRefs>
+    <ds:schemaRef ds:uri="http://schemas.microsoft.com/sharepoint/v3/contenttype/forms"/>
+  </ds:schemaRefs>
+</ds:datastoreItem>
+</file>
+
+<file path=customXml/itemProps2.xml><?xml version="1.0" encoding="utf-8"?>
 <ds:datastoreItem xmlns:ds="http://schemas.openxmlformats.org/officeDocument/2006/customXml" ds:itemID="{2C674307-C299-473D-A73D-C7DBA1A7BA16}">
   <ds:schemaRefs>
     <ds:schemaRef ds:uri="http://schemas.microsoft.com/office/2006/metadata/contentType"/>
@@ -16620,14 +16542,6 @@
     <ds:schemaRef ds:uri="http://purl.org/dc/elements/1.1/"/>
     <ds:schemaRef ds:uri="http://purl.org/dc/terms/"/>
     <ds:schemaRef ds:uri="http://schemas.microsoft.com/office/internal/2005/internalDocumentation"/>
-  </ds:schemaRefs>
-</ds:datastoreItem>
-</file>
-
-<file path=customXml/itemProps2.xml><?xml version="1.0" encoding="utf-8"?>
-<ds:datastoreItem xmlns:ds="http://schemas.openxmlformats.org/officeDocument/2006/customXml" ds:itemID="{8ABB6DC8-0142-4676-96FE-F1693BA95046}">
-  <ds:schemaRefs>
-    <ds:schemaRef ds:uri="http://schemas.microsoft.com/sharepoint/v3/contenttype/forms"/>
   </ds:schemaRefs>
 </ds:datastoreItem>
 </file>
